--- a/Prezentari/PrezentareS11.pptx
+++ b/Prezentari/PrezentareS11.pptx
@@ -249,7 +249,7 @@
           <a:p>
             <a:fld id="{48A87A34-81AB-432B-8DAE-1953F412C126}" type="datetimeFigureOut">
               <a:rPr lang="en-US" dirty="0"/>
-              <a:t>5/9/2018</a:t>
+              <a:t>5/10/2018</a:t>
             </a:fld>
             <a:endParaRPr lang="en-US" dirty="0"/>
           </a:p>
@@ -417,7 +417,7 @@
           <a:p>
             <a:fld id="{48A87A34-81AB-432B-8DAE-1953F412C126}" type="datetimeFigureOut">
               <a:rPr lang="en-US" dirty="0"/>
-              <a:t>5/9/2018</a:t>
+              <a:t>5/10/2018</a:t>
             </a:fld>
             <a:endParaRPr lang="en-US" dirty="0"/>
           </a:p>
@@ -595,7 +595,7 @@
           <a:p>
             <a:fld id="{48A87A34-81AB-432B-8DAE-1953F412C126}" type="datetimeFigureOut">
               <a:rPr lang="en-US" dirty="0"/>
-              <a:t>5/9/2018</a:t>
+              <a:t>5/10/2018</a:t>
             </a:fld>
             <a:endParaRPr lang="en-US" dirty="0"/>
           </a:p>
@@ -763,7 +763,7 @@
           <a:p>
             <a:fld id="{48A87A34-81AB-432B-8DAE-1953F412C126}" type="datetimeFigureOut">
               <a:rPr lang="en-US" dirty="0"/>
-              <a:t>5/9/2018</a:t>
+              <a:t>5/10/2018</a:t>
             </a:fld>
             <a:endParaRPr lang="en-US" dirty="0"/>
           </a:p>
@@ -1008,7 +1008,7 @@
           <a:p>
             <a:fld id="{48A87A34-81AB-432B-8DAE-1953F412C126}" type="datetimeFigureOut">
               <a:rPr lang="en-US" dirty="0"/>
-              <a:t>5/9/2018</a:t>
+              <a:t>5/10/2018</a:t>
             </a:fld>
             <a:endParaRPr lang="en-US" dirty="0"/>
           </a:p>
@@ -1237,7 +1237,7 @@
           <a:p>
             <a:fld id="{48A87A34-81AB-432B-8DAE-1953F412C126}" type="datetimeFigureOut">
               <a:rPr lang="en-US" dirty="0"/>
-              <a:t>5/9/2018</a:t>
+              <a:t>5/10/2018</a:t>
             </a:fld>
             <a:endParaRPr lang="en-US" dirty="0"/>
           </a:p>
@@ -1601,7 +1601,7 @@
           <a:p>
             <a:fld id="{48A87A34-81AB-432B-8DAE-1953F412C126}" type="datetimeFigureOut">
               <a:rPr lang="en-US" dirty="0"/>
-              <a:t>5/9/2018</a:t>
+              <a:t>5/10/2018</a:t>
             </a:fld>
             <a:endParaRPr lang="en-US" dirty="0"/>
           </a:p>
@@ -1718,7 +1718,7 @@
           <a:p>
             <a:fld id="{48A87A34-81AB-432B-8DAE-1953F412C126}" type="datetimeFigureOut">
               <a:rPr lang="en-US" dirty="0"/>
-              <a:t>5/9/2018</a:t>
+              <a:t>5/10/2018</a:t>
             </a:fld>
             <a:endParaRPr lang="en-US" dirty="0"/>
           </a:p>
@@ -1813,7 +1813,7 @@
           <a:p>
             <a:fld id="{48A87A34-81AB-432B-8DAE-1953F412C126}" type="datetimeFigureOut">
               <a:rPr lang="en-US" dirty="0"/>
-              <a:t>5/9/2018</a:t>
+              <a:t>5/10/2018</a:t>
             </a:fld>
             <a:endParaRPr lang="en-US" dirty="0"/>
           </a:p>
@@ -2088,7 +2088,7 @@
           <a:p>
             <a:fld id="{48A87A34-81AB-432B-8DAE-1953F412C126}" type="datetimeFigureOut">
               <a:rPr lang="en-US" dirty="0"/>
-              <a:t>5/9/2018</a:t>
+              <a:t>5/10/2018</a:t>
             </a:fld>
             <a:endParaRPr lang="en-US" dirty="0"/>
           </a:p>
@@ -2344,7 +2344,7 @@
             <a:fld id="{48A87A34-81AB-432B-8DAE-1953F412C126}" type="datetimeFigureOut">
               <a:rPr lang="en-US" dirty="0"/>
               <a:pPr/>
-              <a:t>5/9/2018</a:t>
+              <a:t>5/10/2018</a:t>
             </a:fld>
             <a:endParaRPr lang="en-US" dirty="0"/>
           </a:p>
@@ -2556,7 +2556,7 @@
             <a:fld id="{48A87A34-81AB-432B-8DAE-1953F412C126}" type="datetimeFigureOut">
               <a:rPr lang="en-US" dirty="0"/>
               <a:pPr/>
-              <a:t>5/9/2018</a:t>
+              <a:t>5/10/2018</a:t>
             </a:fld>
             <a:endParaRPr lang="en-US" dirty="0"/>
           </a:p>
@@ -2972,41 +2972,73 @@
             <p:ph type="ctrTitle"/>
           </p:nvPr>
         </p:nvSpPr>
-        <p:spPr/>
-        <p:txBody>
-          <a:bodyPr/>
+        <p:spPr>
+          <a:xfrm>
+            <a:off x="1380226" y="159080"/>
+            <a:ext cx="9144000" cy="2387600"/>
+          </a:xfrm>
+        </p:spPr>
+        <p:txBody>
+          <a:bodyPr>
+            <a:normAutofit fontScale="90000"/>
+          </a:bodyPr>
           <a:lstStyle/>
           <a:p>
             <a:r>
               <a:rPr lang="en-US" dirty="0" err="1"/>
-              <a:t>Proiect</a:t>
-            </a:r>
-            <a:r>
-              <a:rPr lang="en-US" dirty="0"/>
-              <a:t> TW</a:t>
-            </a:r>
-          </a:p>
-        </p:txBody>
-      </p:sp>
-      <p:sp>
-        <p:nvSpPr>
-          <p:cNvPr id="3" name="Subtitle 2"/>
-          <p:cNvSpPr>
-            <a:spLocks noGrp="1"/>
-          </p:cNvSpPr>
-          <p:nvPr>
-            <p:ph type="subTitle" idx="1"/>
-          </p:nvPr>
-        </p:nvSpPr>
-        <p:spPr/>
-        <p:txBody>
-          <a:bodyPr/>
-          <a:lstStyle/>
-          <a:p>
-            <a:endParaRPr lang="en-US"/>
-          </a:p>
-        </p:txBody>
-      </p:sp>
+              <a:t>AnCoWe</a:t>
+            </a:r>
+            <a:r>
+              <a:rPr lang="en-US" dirty="0"/>
+              <a:t> </a:t>
+            </a:r>
+            <a:br>
+              <a:rPr lang="en-US" dirty="0">
+                <a:cs typeface="Calibri Light"/>
+              </a:rPr>
+            </a:br>
+            <a:r>
+              <a:rPr lang="en-US" dirty="0"/>
+              <a:t>Anime + Comics = Web Game</a:t>
+            </a:r>
+          </a:p>
+          <a:p>
+            <a:endParaRPr lang="en-US" dirty="0">
+              <a:cs typeface="Calibri Light"/>
+            </a:endParaRPr>
+          </a:p>
+        </p:txBody>
+      </p:sp>
+      <p:pic>
+        <p:nvPicPr>
+          <p:cNvPr id="4" name="Picture 4" descr="A close up of a toy store&#10;&#10;Description generated with high confidence">
+            <a:extLst>
+              <a:ext uri="{FF2B5EF4-FFF2-40B4-BE49-F238E27FC236}">
+                <a16:creationId xmlns:a16="http://schemas.microsoft.com/office/drawing/2014/main" id="{A5E37AB8-7DF3-46C5-A303-2C094CF61D0C}"/>
+              </a:ext>
+            </a:extLst>
+          </p:cNvPr>
+          <p:cNvPicPr>
+            <a:picLocks noChangeAspect="1"/>
+          </p:cNvPicPr>
+          <p:nvPr/>
+        </p:nvPicPr>
+        <p:blipFill>
+          <a:blip r:embed="rId2"/>
+          <a:stretch>
+            <a:fillRect/>
+          </a:stretch>
+        </p:blipFill>
+        <p:spPr>
+          <a:xfrm>
+            <a:off x="3545455" y="1741098"/>
+            <a:ext cx="4827916" cy="4842294"/>
+          </a:xfrm>
+          <a:prstGeom prst="rect">
+            <a:avLst/>
+          </a:prstGeom>
+        </p:spPr>
+      </p:pic>
     </p:spTree>
     <p:extLst>
       <p:ext uri="{BB962C8B-B14F-4D97-AF65-F5344CB8AC3E}">
@@ -7813,8 +7845,38 @@
         </p:blipFill>
         <p:spPr>
           <a:xfrm>
-            <a:off x="166778" y="3793707"/>
+            <a:off x="181156" y="3793707"/>
             <a:ext cx="5546783" cy="2893679"/>
+          </a:xfrm>
+          <a:prstGeom prst="rect">
+            <a:avLst/>
+          </a:prstGeom>
+        </p:spPr>
+      </p:pic>
+      <p:pic>
+        <p:nvPicPr>
+          <p:cNvPr id="3" name="Picture 6" descr="A close up of a black screen with text&#10;&#10;Description generated with very high confidence">
+            <a:extLst>
+              <a:ext uri="{FF2B5EF4-FFF2-40B4-BE49-F238E27FC236}">
+                <a16:creationId xmlns:a16="http://schemas.microsoft.com/office/drawing/2014/main" id="{2C804608-DC7E-4F50-BF1C-9F3D86D94664}"/>
+              </a:ext>
+            </a:extLst>
+          </p:cNvPr>
+          <p:cNvPicPr>
+            <a:picLocks noChangeAspect="1"/>
+          </p:cNvPicPr>
+          <p:nvPr/>
+        </p:nvPicPr>
+        <p:blipFill>
+          <a:blip r:embed="rId5"/>
+          <a:stretch>
+            <a:fillRect/>
+          </a:stretch>
+        </p:blipFill>
+        <p:spPr>
+          <a:xfrm>
+            <a:off x="5874587" y="3796997"/>
+            <a:ext cx="6193765" cy="2887100"/>
           </a:xfrm>
           <a:prstGeom prst="rect">
             <a:avLst/>
@@ -8185,7 +8247,19 @@
               <a:rPr lang="en-US" sz="1800" dirty="0">
                 <a:cs typeface="Calibri"/>
               </a:rPr>
-              <a:t>-</a:t>
+              <a:t>-Game functionality (In </a:t>
+            </a:r>
+            <a:r>
+              <a:rPr lang="en-US" sz="1800" dirty="0" err="1">
+                <a:cs typeface="Calibri"/>
+              </a:rPr>
+              <a:t>derulare</a:t>
+            </a:r>
+            <a:r>
+              <a:rPr lang="en-US" sz="1800" dirty="0">
+                <a:cs typeface="Calibri"/>
+              </a:rPr>
+              <a:t>)</a:t>
             </a:r>
           </a:p>
         </p:txBody>
@@ -8381,7 +8455,7 @@
         <p:spPr>
           <a:xfrm>
             <a:off x="6147757" y="245852"/>
-            <a:ext cx="5719313" cy="1200329"/>
+            <a:ext cx="5719313" cy="1477328"/>
           </a:xfrm>
           <a:prstGeom prst="rect">
             <a:avLst/>
@@ -8454,13 +8528,7 @@
               <a:rPr lang="en-US" dirty="0">
                 <a:cs typeface="Calibri"/>
               </a:rPr>
-              <a:t>- </a:t>
-            </a:r>
-            <a:r>
-              <a:rPr lang="en-US" dirty="0" smtClean="0">
-                <a:cs typeface="Calibri"/>
-              </a:rPr>
-              <a:t>Java SE/EE </a:t>
+              <a:t>- Java </a:t>
             </a:r>
             <a:r>
               <a:rPr lang="en-US" dirty="0" err="1">
@@ -8562,22 +8630,40 @@
               <a:rPr lang="en-US" dirty="0">
                 <a:cs typeface="Calibri"/>
               </a:rPr>
-              <a:t>-</a:t>
-            </a:r>
-            <a:r>
-              <a:rPr lang="en-US" dirty="0" smtClean="0">
+              <a:t>- MySQL (</a:t>
+            </a:r>
+            <a:r>
+              <a:rPr lang="en-US" dirty="0" err="1">
+                <a:cs typeface="Calibri"/>
+              </a:rPr>
+              <a:t>HeidiSQL</a:t>
+            </a:r>
+            <a:r>
+              <a:rPr lang="en-US" dirty="0">
+                <a:cs typeface="Calibri"/>
+              </a:rPr>
+              <a:t>) </a:t>
+            </a:r>
+            <a:r>
+              <a:rPr lang="en-US" dirty="0" err="1">
+                <a:cs typeface="Calibri"/>
+              </a:rPr>
+              <a:t>pentru</a:t>
+            </a:r>
+            <a:r>
+              <a:rPr lang="en-US" dirty="0">
                 <a:cs typeface="Calibri"/>
               </a:rPr>
               <a:t> </a:t>
             </a:r>
             <a:r>
-              <a:rPr lang="en-US" dirty="0" err="1" smtClean="0">
-                <a:cs typeface="Calibri"/>
-              </a:rPr>
-              <a:t>MySql</a:t>
-            </a:r>
-            <a:r>
-              <a:rPr lang="en-US" dirty="0" smtClean="0">
+              <a:rPr lang="en-US" dirty="0" err="1">
+                <a:cs typeface="Calibri"/>
+              </a:rPr>
+              <a:t>stocarea</a:t>
+            </a:r>
+            <a:r>
+              <a:rPr lang="en-US" dirty="0">
                 <a:cs typeface="Calibri"/>
               </a:rPr>
               <a:t> </a:t>
@@ -8586,50 +8672,17 @@
               <a:rPr lang="en-US" dirty="0" err="1">
                 <a:cs typeface="Calibri"/>
               </a:rPr>
-              <a:t>pentru</a:t>
+              <a:t>bazelor</a:t>
             </a:r>
             <a:r>
               <a:rPr lang="en-US" dirty="0">
                 <a:cs typeface="Calibri"/>
               </a:rPr>
-              <a:t> </a:t>
-            </a:r>
-            <a:r>
-              <a:rPr lang="en-US" dirty="0" err="1" smtClean="0">
-                <a:cs typeface="Calibri"/>
-              </a:rPr>
-              <a:t>stocarea</a:t>
-            </a:r>
-            <a:r>
-              <a:rPr lang="en-US" dirty="0" smtClean="0">
-                <a:cs typeface="Calibri"/>
-              </a:rPr>
-              <a:t> </a:t>
-            </a:r>
-            <a:r>
-              <a:rPr lang="en-US" dirty="0" err="1" smtClean="0">
-                <a:cs typeface="Calibri"/>
-              </a:rPr>
-              <a:t>datelor</a:t>
-            </a:r>
-            <a:r>
-              <a:rPr lang="en-US" dirty="0" smtClean="0">
-                <a:cs typeface="Calibri"/>
-              </a:rPr>
-              <a:t> in </a:t>
-            </a:r>
-            <a:r>
-              <a:rPr lang="en-US" dirty="0" err="1" smtClean="0">
-                <a:cs typeface="Calibri"/>
-              </a:rPr>
-              <a:t>baza</a:t>
-            </a:r>
-            <a:r>
-              <a:rPr lang="en-US" dirty="0" smtClean="0">
-                <a:cs typeface="Calibri"/>
-              </a:rPr>
               <a:t> de date</a:t>
             </a:r>
+          </a:p>
+          <a:p>
+            <a:pPr algn="ctr"/>
             <a:endParaRPr lang="en-US" dirty="0">
               <a:cs typeface="Calibri"/>
             </a:endParaRPr>
@@ -9851,6 +9904,44 @@
                 <a:cs typeface="Calibri"/>
               </a:rPr>
               <a:t>Check data</a:t>
+            </a:r>
+          </a:p>
+        </p:txBody>
+      </p:sp>
+      <p:sp>
+        <p:nvSpPr>
+          <p:cNvPr id="3" name="TextBox 2">
+            <a:extLst>
+              <a:ext uri="{FF2B5EF4-FFF2-40B4-BE49-F238E27FC236}">
+                <a16:creationId xmlns:a16="http://schemas.microsoft.com/office/drawing/2014/main" id="{3BE43705-35F0-412C-A1D4-3F651C03AFC1}"/>
+              </a:ext>
+            </a:extLst>
+          </p:cNvPr>
+          <p:cNvSpPr txBox="1"/>
+          <p:nvPr/>
+        </p:nvSpPr>
+        <p:spPr>
+          <a:xfrm>
+            <a:off x="5845832" y="2014267"/>
+            <a:ext cx="2743200" cy="369332"/>
+          </a:xfrm>
+          <a:prstGeom prst="rect">
+            <a:avLst/>
+          </a:prstGeom>
+        </p:spPr>
+        <p:txBody>
+          <a:bodyPr rot="0" spcFirstLastPara="0" vertOverflow="overflow" horzOverflow="overflow" vert="horz" wrap="square" lIns="91440" tIns="45720" rIns="91440" bIns="45720" numCol="1" spcCol="0" rtlCol="0" fromWordArt="0" anchor="t" anchorCtr="0" forceAA="0" compatLnSpc="1">
+            <a:prstTxWarp prst="textNoShape">
+              <a:avLst/>
+            </a:prstTxWarp>
+            <a:spAutoFit/>
+          </a:bodyPr>
+          <a:lstStyle/>
+          <a:p>
+            <a:pPr algn="ctr"/>
+            <a:r>
+              <a:rPr lang="en-US" dirty="0"/>
+              <a:t>Java files</a:t>
             </a:r>
           </a:p>
         </p:txBody>
